--- a/Introduction to R.pptx
+++ b/Introduction to R.pptx
@@ -6432,7 +6432,7 @@
                 <a:latin typeface="Montserrat" panose="020B0604020202020204" charset="0"/>
                 <a:cs typeface="Courier New" panose="02070309020205020404" pitchFamily="49" charset="0"/>
               </a:rPr>
-              <a:t>This works because each function takes in a data frame and spits our a data frame, so they can create a ‘pipeline’ for the data frame.</a:t>
+              <a:t>This works because each function takes in a data frame and spits out a data frame, so they can create a ‘pipeline’ for the data frame.</a:t>
             </a:r>
           </a:p>
         </p:txBody>
